--- a/lessons/BuildingARobot.pptx
+++ b/lessons/BuildingARobot.pptx
@@ -5,18 +5,19 @@
     <p:sldMasterId id="2147483761" r:id="rId1"/>
   </p:sldMasterIdLst>
   <p:notesMasterIdLst>
-    <p:notesMasterId r:id="rId8"/>
+    <p:notesMasterId r:id="rId9"/>
   </p:notesMasterIdLst>
   <p:handoutMasterIdLst>
-    <p:handoutMasterId r:id="rId9"/>
+    <p:handoutMasterId r:id="rId10"/>
   </p:handoutMasterIdLst>
   <p:sldIdLst>
     <p:sldId id="275" r:id="rId2"/>
     <p:sldId id="276" r:id="rId3"/>
     <p:sldId id="283" r:id="rId4"/>
-    <p:sldId id="277" r:id="rId5"/>
-    <p:sldId id="279" r:id="rId6"/>
-    <p:sldId id="284" r:id="rId7"/>
+    <p:sldId id="285" r:id="rId5"/>
+    <p:sldId id="277" r:id="rId6"/>
+    <p:sldId id="279" r:id="rId7"/>
+    <p:sldId id="284" r:id="rId8"/>
   </p:sldIdLst>
   <p:sldSz cx="9144000" cy="6858000" type="screen4x3"/>
   <p:notesSz cx="6858000" cy="9144000"/>
@@ -228,7 +229,7 @@
           <a:p>
             <a:fld id="{58040048-1E4D-CD41-AC49-0750EB72586B}" type="datetimeFigureOut">
               <a:rPr lang="en-US" smtClean="0"/>
-              <a:t>01/08/2020</a:t>
+              <a:t>01/16/2020</a:t>
             </a:fld>
             <a:endParaRPr lang="en-US"/>
           </a:p>
@@ -394,7 +395,7 @@
           <a:p>
             <a:fld id="{2B8484CF-5098-F24E-8881-583515D5C406}" type="datetimeFigureOut">
               <a:rPr lang="en-US" smtClean="0"/>
-              <a:t>01/08/2020</a:t>
+              <a:t>01/16/2020</a:t>
             </a:fld>
             <a:endParaRPr lang="en-US"/>
           </a:p>
@@ -1587,7 +1588,7 @@
           <a:p>
             <a:r>
               <a:rPr lang="en-US"/>
-              <a:t>Copyright © 2020 SPIKE Prime Lessons (primelessons.org) CC-BY-NC-SA.  (Last edit: 1/9/2020)</a:t>
+              <a:t>Copyright © 2020 SPIKE Prime Lessons (primelessons.org) CC-BY-NC-SA.  (Last edit: 1/16/2020)</a:t>
             </a:r>
             <a:endParaRPr lang="en-US" dirty="0"/>
           </a:p>
@@ -1841,7 +1842,7 @@
           <a:p>
             <a:r>
               <a:rPr lang="en-US"/>
-              <a:t>Copyright © 2020 SPIKE Prime Lessons (primelessons.org) CC-BY-NC-SA.  (Last edit: 1/9/2020)</a:t>
+              <a:t>Copyright © 2020 SPIKE Prime Lessons (primelessons.org) CC-BY-NC-SA.  (Last edit: 1/16/2020)</a:t>
             </a:r>
             <a:endParaRPr lang="en-US" dirty="0"/>
           </a:p>
@@ -2086,9 +2087,10 @@
           </a:lstStyle>
           <a:p>
             <a:r>
-              <a:rPr lang="en-US" dirty="0"/>
-              <a:t>Copyright © 2020 SPIKE Prime Lessons (primelessons.org) CC-BY-NC-SA.  (Last edit: 1/9/2020)</a:t>
-            </a:r>
+              <a:rPr lang="en-US"/>
+              <a:t>Copyright © 2020 SPIKE Prime Lessons (primelessons.org) CC-BY-NC-SA.  (Last edit: 1/16/2020)</a:t>
+            </a:r>
+            <a:endParaRPr lang="en-US" dirty="0"/>
           </a:p>
         </p:txBody>
       </p:sp>
@@ -2459,7 +2461,7 @@
           <a:p>
             <a:r>
               <a:rPr lang="en-US"/>
-              <a:t>Copyright © 2020 SPIKE Prime Lessons (primelessons.org) CC-BY-NC-SA.  (Last edit: 1/9/2020)</a:t>
+              <a:t>Copyright © 2020 SPIKE Prime Lessons (primelessons.org) CC-BY-NC-SA.  (Last edit: 1/16/2020)</a:t>
             </a:r>
             <a:endParaRPr lang="en-US" dirty="0"/>
           </a:p>
@@ -2878,7 +2880,7 @@
           <a:p>
             <a:r>
               <a:rPr lang="en-US"/>
-              <a:t>Copyright © 2020 SPIKE Prime Lessons (primelessons.org) CC-BY-NC-SA.  (Last edit: 1/9/2020)</a:t>
+              <a:t>Copyright © 2020 SPIKE Prime Lessons (primelessons.org) CC-BY-NC-SA.  (Last edit: 1/16/2020)</a:t>
             </a:r>
             <a:endParaRPr lang="en-US" dirty="0"/>
           </a:p>
@@ -3393,7 +3395,7 @@
           <a:p>
             <a:r>
               <a:rPr lang="en-US"/>
-              <a:t>Copyright © 2020 SPIKE Prime Lessons (primelessons.org) CC-BY-NC-SA.  (Last edit: 1/9/2020)</a:t>
+              <a:t>Copyright © 2020 SPIKE Prime Lessons (primelessons.org) CC-BY-NC-SA.  (Last edit: 1/16/2020)</a:t>
             </a:r>
             <a:endParaRPr lang="en-US" dirty="0"/>
           </a:p>
@@ -3585,7 +3587,7 @@
           <a:p>
             <a:r>
               <a:rPr lang="en-US"/>
-              <a:t>Copyright © 2020 SPIKE Prime Lessons (primelessons.org) CC-BY-NC-SA.  (Last edit: 1/9/2020)</a:t>
+              <a:t>Copyright © 2020 SPIKE Prime Lessons (primelessons.org) CC-BY-NC-SA.  (Last edit: 1/16/2020)</a:t>
             </a:r>
             <a:endParaRPr lang="en-US" dirty="0"/>
           </a:p>
@@ -3986,7 +3988,7 @@
           <a:p>
             <a:r>
               <a:rPr lang="en-US"/>
-              <a:t>Copyright © 2020 SPIKE Prime Lessons (primelessons.org) CC-BY-NC-SA.  (Last edit: 1/9/2020)</a:t>
+              <a:t>Copyright © 2020 SPIKE Prime Lessons (primelessons.org) CC-BY-NC-SA.  (Last edit: 1/16/2020)</a:t>
             </a:r>
             <a:endParaRPr lang="en-US" dirty="0"/>
           </a:p>
@@ -4368,7 +4370,7 @@
           <a:p>
             <a:r>
               <a:rPr lang="en-US"/>
-              <a:t>Copyright © 2020 SPIKE Prime Lessons (primelessons.org) CC-BY-NC-SA.  (Last edit: 1/9/2020)</a:t>
+              <a:t>Copyright © 2020 SPIKE Prime Lessons (primelessons.org) CC-BY-NC-SA.  (Last edit: 1/16/2020)</a:t>
             </a:r>
           </a:p>
         </p:txBody>
@@ -4669,7 +4671,7 @@
           <a:p>
             <a:r>
               <a:rPr lang="en-US"/>
-              <a:t>Copyright © 2020 SPIKE Prime Lessons (primelessons.org) CC-BY-NC-SA.  (Last edit: 1/9/2020)</a:t>
+              <a:t>Copyright © 2020 SPIKE Prime Lessons (primelessons.org) CC-BY-NC-SA.  (Last edit: 1/16/2020)</a:t>
             </a:r>
             <a:endParaRPr lang="en-US" dirty="0"/>
           </a:p>
@@ -4989,7 +4991,7 @@
           <a:p>
             <a:r>
               <a:rPr lang="en-US"/>
-              <a:t>Copyright © 2020 SPIKE Prime Lessons (primelessons.org) CC-BY-NC-SA.  (Last edit: 1/9/2020)</a:t>
+              <a:t>Copyright © 2020 SPIKE Prime Lessons (primelessons.org) CC-BY-NC-SA.  (Last edit: 1/16/2020)</a:t>
             </a:r>
             <a:endParaRPr lang="en-US" dirty="0"/>
           </a:p>
@@ -5621,7 +5623,7 @@
           <a:p>
             <a:r>
               <a:rPr lang="en-US"/>
-              <a:t>Copyright © 2020 SPIKE Prime Lessons (primelessons.org) CC-BY-NC-SA.  (Last edit: 1/9/2020)</a:t>
+              <a:t>Copyright © 2020 SPIKE Prime Lessons (primelessons.org) CC-BY-NC-SA.  (Last edit: 1/16/2020)</a:t>
             </a:r>
             <a:endParaRPr lang="en-US" dirty="0"/>
           </a:p>
@@ -5910,7 +5912,7 @@
           <a:p>
             <a:r>
               <a:rPr lang="en-US"/>
-              <a:t>Copyright © 2020 SPIKE Prime Lessons (primelessons.org) CC-BY-NC-SA.  (Last edit: 1/9/2020)</a:t>
+              <a:t>Copyright © 2020 SPIKE Prime Lessons (primelessons.org) CC-BY-NC-SA.  (Last edit: 1/16/2020)</a:t>
             </a:r>
             <a:endParaRPr lang="en-US" dirty="0"/>
           </a:p>
@@ -6212,7 +6214,7 @@
           <p:cNvPr id="2" name="Title 1">
             <a:extLst>
               <a:ext uri="{FF2B5EF4-FFF2-40B4-BE49-F238E27FC236}">
-                <a16:creationId xmlns:a16="http://schemas.microsoft.com/office/drawing/2014/main" id="{81821B85-316D-40F8-B2FD-C66EF2A7EFF7}"/>
+                <a16:creationId xmlns:a16="http://schemas.microsoft.com/office/drawing/2014/main" id="{8EB6B66B-80B6-42BC-A74F-B6C88E947CE1}"/>
               </a:ext>
             </a:extLst>
           </p:cNvPr>
@@ -6230,86 +6232,54 @@
           <a:p>
             <a:r>
               <a:rPr lang="en-US" dirty="0"/>
-              <a:t>Advanced Driving base (ADB)</a:t>
-            </a:r>
-          </a:p>
-        </p:txBody>
-      </p:sp>
-      <p:sp>
-        <p:nvSpPr>
-          <p:cNvPr id="3" name="Content Placeholder 2">
+              <a:t>Droid </a:t>
+            </a:r>
+            <a:r>
+              <a:rPr lang="en-US"/>
+              <a:t>Bot IV Wiring </a:t>
+            </a:r>
+            <a:r>
+              <a:rPr lang="en-US" dirty="0"/>
+              <a:t>guide</a:t>
+            </a:r>
+          </a:p>
+        </p:txBody>
+      </p:sp>
+      <p:pic>
+        <p:nvPicPr>
+          <p:cNvPr id="7" name="Content Placeholder 6" descr="A picture containing truck, car, white, street&#10;&#10;Description automatically generated">
             <a:extLst>
               <a:ext uri="{FF2B5EF4-FFF2-40B4-BE49-F238E27FC236}">
-                <a16:creationId xmlns:a16="http://schemas.microsoft.com/office/drawing/2014/main" id="{22959C28-BE65-45C2-B4B0-BC26D4D18976}"/>
+                <a16:creationId xmlns:a16="http://schemas.microsoft.com/office/drawing/2014/main" id="{DBDB79DC-E632-4CD8-9B1B-83EDDF258B39}"/>
               </a:ext>
             </a:extLst>
           </p:cNvPr>
-          <p:cNvSpPr>
-            <a:spLocks noGrp="1"/>
-          </p:cNvSpPr>
+          <p:cNvPicPr>
+            <a:picLocks noGrp="1" noChangeAspect="1"/>
+          </p:cNvPicPr>
           <p:nvPr>
             <p:ph idx="1"/>
           </p:nvPr>
-        </p:nvSpPr>
-        <p:spPr>
-          <a:xfrm>
-            <a:off x="155088" y="1140006"/>
-            <a:ext cx="5068834" cy="5082601"/>
-          </a:xfrm>
-        </p:spPr>
-        <p:txBody>
-          <a:bodyPr>
-            <a:normAutofit/>
-          </a:bodyPr>
-          <a:lstStyle/>
-          <a:p>
-            <a:r>
-              <a:rPr lang="en-US" dirty="0"/>
-              <a:t>You can also use the Advanced Driving Base (ADB). </a:t>
-            </a:r>
-          </a:p>
-          <a:p>
-            <a:r>
-              <a:rPr lang="en-US" dirty="0"/>
-              <a:t>It will require the SPIKE Prime Set (45678) as well as the SPIKE Prime Expansion Set (45680).</a:t>
-            </a:r>
-          </a:p>
-          <a:p>
-            <a:r>
-              <a:rPr lang="en-US" dirty="0"/>
-              <a:t>Instructions to build this model are available inside the SPIKE Prime and software online: </a:t>
-            </a:r>
-            <a:r>
-              <a:rPr lang="en-US" sz="1200" dirty="0">
-                <a:hlinkClick r:id="rId2"/>
-              </a:rPr>
-              <a:t>https://education.lego.com/en-us/lessons/prime-competition-ready/assembling-an-advanced-driving-base</a:t>
-            </a:r>
-            <a:endParaRPr lang="en-US" sz="1200" dirty="0"/>
-          </a:p>
-          <a:p>
-            <a:r>
-              <a:rPr lang="en-US" dirty="0"/>
-              <a:t>Please note how the basic ports are configured on the diagram on the right. Since all the sensors cannot start off connected to the Hub, you will have to disconnect ports so you can add the Distance and Force Sensors used in our lessons</a:t>
-            </a:r>
-          </a:p>
-          <a:p>
-            <a:r>
-              <a:rPr lang="en-US" dirty="0"/>
-              <a:t>The color sensors on ADB are also not optimally positioned for using in Color Mode. (see next slide)</a:t>
-            </a:r>
-          </a:p>
-          <a:p>
-            <a:endParaRPr lang="en-US" dirty="0"/>
-          </a:p>
-        </p:txBody>
-      </p:sp>
+        </p:nvPicPr>
+        <p:blipFill>
+          <a:blip r:embed="rId2"/>
+          <a:stretch>
+            <a:fillRect/>
+          </a:stretch>
+        </p:blipFill>
+        <p:spPr>
+          <a:xfrm>
+            <a:off x="1653100" y="1141390"/>
+            <a:ext cx="5083175" cy="5083175"/>
+          </a:xfrm>
+        </p:spPr>
+      </p:pic>
       <p:sp>
         <p:nvSpPr>
           <p:cNvPr id="4" name="Footer Placeholder 3">
             <a:extLst>
               <a:ext uri="{FF2B5EF4-FFF2-40B4-BE49-F238E27FC236}">
-                <a16:creationId xmlns:a16="http://schemas.microsoft.com/office/drawing/2014/main" id="{73372063-2ECC-40B7-BDDE-09490688390C}"/>
+                <a16:creationId xmlns:a16="http://schemas.microsoft.com/office/drawing/2014/main" id="{A10C164B-B189-450C-89DE-FAEAD862F88C}"/>
               </a:ext>
             </a:extLst>
           </p:cNvPr>
@@ -6327,7 +6297,7 @@
           <a:p>
             <a:r>
               <a:rPr lang="en-US"/>
-              <a:t>Copyright © 2020 SPIKE Prime Lessons (primelessons.org) CC-BY-NC-SA.  (Last edit: 1/9/2020)</a:t>
+              <a:t>Copyright © 2020 SPIKE Prime Lessons (primelessons.org) CC-BY-NC-SA.  (Last edit: 1/16/2020)</a:t>
             </a:r>
             <a:endParaRPr lang="en-US" dirty="0"/>
           </a:p>
@@ -6338,7 +6308,7 @@
           <p:cNvPr id="5" name="Slide Number Placeholder 4">
             <a:extLst>
               <a:ext uri="{FF2B5EF4-FFF2-40B4-BE49-F238E27FC236}">
-                <a16:creationId xmlns:a16="http://schemas.microsoft.com/office/drawing/2014/main" id="{57485AB1-BBA9-4704-B979-EA1B7589CB57}"/>
+                <a16:creationId xmlns:a16="http://schemas.microsoft.com/office/drawing/2014/main" id="{CEB817EC-50A0-41A6-9AF8-3DA2FC1BCF88}"/>
               </a:ext>
             </a:extLst>
           </p:cNvPr>
@@ -6362,72 +6332,12 @@
           </a:p>
         </p:txBody>
       </p:sp>
-      <p:pic>
-        <p:nvPicPr>
-          <p:cNvPr id="6" name="Picture 5">
-            <a:extLst>
-              <a:ext uri="{FF2B5EF4-FFF2-40B4-BE49-F238E27FC236}">
-                <a16:creationId xmlns:a16="http://schemas.microsoft.com/office/drawing/2014/main" id="{7EF7D49A-3B76-4F9B-8793-399AD696AC05}"/>
-              </a:ext>
-            </a:extLst>
-          </p:cNvPr>
-          <p:cNvPicPr>
-            <a:picLocks noChangeAspect="1"/>
-          </p:cNvPicPr>
-          <p:nvPr/>
-        </p:nvPicPr>
-        <p:blipFill>
-          <a:blip r:embed="rId3"/>
-          <a:stretch>
-            <a:fillRect/>
-          </a:stretch>
-        </p:blipFill>
-        <p:spPr>
-          <a:xfrm>
-            <a:off x="5309647" y="1254796"/>
-            <a:ext cx="3397684" cy="2566988"/>
-          </a:xfrm>
-          <a:prstGeom prst="rect">
-            <a:avLst/>
-          </a:prstGeom>
-        </p:spPr>
-      </p:pic>
-      <p:pic>
-        <p:nvPicPr>
-          <p:cNvPr id="7" name="Picture 6">
-            <a:extLst>
-              <a:ext uri="{FF2B5EF4-FFF2-40B4-BE49-F238E27FC236}">
-                <a16:creationId xmlns:a16="http://schemas.microsoft.com/office/drawing/2014/main" id="{8F87B2F9-269D-4196-8BAD-2FF164425F37}"/>
-              </a:ext>
-            </a:extLst>
-          </p:cNvPr>
-          <p:cNvPicPr>
-            <a:picLocks noChangeAspect="1"/>
-          </p:cNvPicPr>
-          <p:nvPr/>
-        </p:nvPicPr>
-        <p:blipFill>
-          <a:blip r:embed="rId4"/>
-          <a:stretch>
-            <a:fillRect/>
-          </a:stretch>
-        </p:blipFill>
-        <p:spPr>
-          <a:xfrm>
-            <a:off x="5379319" y="3781302"/>
-            <a:ext cx="3427528" cy="2441305"/>
-          </a:xfrm>
-          <a:prstGeom prst="rect">
-            <a:avLst/>
-          </a:prstGeom>
-        </p:spPr>
-      </p:pic>
       <p:sp>
         <p:nvSpPr>
           <p:cNvPr id="8" name="TextBox 7">
             <a:extLst>
               <a:ext uri="{FF2B5EF4-FFF2-40B4-BE49-F238E27FC236}">
-                <a16:creationId xmlns:a16="http://schemas.microsoft.com/office/drawing/2014/main" id="{B7EB62A3-019A-4B98-85FF-B541D215CE17}"/>
+                <a16:creationId xmlns:a16="http://schemas.microsoft.com/office/drawing/2014/main" id="{6BE9D0E3-6278-4BA9-B62D-E326FC9C0546}"/>
               </a:ext>
             </a:extLst>
           </p:cNvPr>
@@ -6436,8 +6346,8 @@
         </p:nvSpPr>
         <p:spPr>
           <a:xfrm>
-            <a:off x="6386152" y="3769289"/>
-            <a:ext cx="1413862" cy="261610"/>
+            <a:off x="2429435" y="1262244"/>
+            <a:ext cx="1954306" cy="369332"/>
           </a:xfrm>
           <a:prstGeom prst="rect">
             <a:avLst/>
@@ -6450,10 +6360,232 @@
           </a:bodyPr>
           <a:lstStyle/>
           <a:p>
-            <a:pPr algn="ctr"/>
-            <a:r>
-              <a:rPr lang="en-US" sz="1100" dirty="0"/>
-              <a:t>ADB Default settings</a:t>
+            <a:r>
+              <a:rPr lang="en-US" dirty="0">
+                <a:solidFill>
+                  <a:srgbClr val="FF0000"/>
+                </a:solidFill>
+              </a:rPr>
+              <a:t>A</a:t>
+            </a:r>
+            <a:r>
+              <a:rPr lang="en-US" dirty="0"/>
+              <a:t>: Medium Motor</a:t>
+            </a:r>
+          </a:p>
+        </p:txBody>
+      </p:sp>
+      <p:sp>
+        <p:nvSpPr>
+          <p:cNvPr id="9" name="TextBox 8">
+            <a:extLst>
+              <a:ext uri="{FF2B5EF4-FFF2-40B4-BE49-F238E27FC236}">
+                <a16:creationId xmlns:a16="http://schemas.microsoft.com/office/drawing/2014/main" id="{1AA21F21-FB55-43B3-AD15-31FDC9D078B1}"/>
+              </a:ext>
+            </a:extLst>
+          </p:cNvPr>
+          <p:cNvSpPr txBox="1"/>
+          <p:nvPr/>
+        </p:nvSpPr>
+        <p:spPr>
+          <a:xfrm>
+            <a:off x="2429435" y="5716610"/>
+            <a:ext cx="1954306" cy="369332"/>
+          </a:xfrm>
+          <a:prstGeom prst="rect">
+            <a:avLst/>
+          </a:prstGeom>
+          <a:noFill/>
+        </p:spPr>
+        <p:txBody>
+          <a:bodyPr wrap="square" rtlCol="0">
+            <a:spAutoFit/>
+          </a:bodyPr>
+          <a:lstStyle/>
+          <a:p>
+            <a:r>
+              <a:rPr lang="en-US" dirty="0">
+                <a:solidFill>
+                  <a:srgbClr val="FF0000"/>
+                </a:solidFill>
+              </a:rPr>
+              <a:t>E</a:t>
+            </a:r>
+            <a:r>
+              <a:rPr lang="en-US" dirty="0"/>
+              <a:t>: Medium Motor</a:t>
+            </a:r>
+          </a:p>
+        </p:txBody>
+      </p:sp>
+      <p:sp>
+        <p:nvSpPr>
+          <p:cNvPr id="10" name="TextBox 9">
+            <a:extLst>
+              <a:ext uri="{FF2B5EF4-FFF2-40B4-BE49-F238E27FC236}">
+                <a16:creationId xmlns:a16="http://schemas.microsoft.com/office/drawing/2014/main" id="{6B8661E5-626A-409E-997A-3CAA606294AD}"/>
+              </a:ext>
+            </a:extLst>
+          </p:cNvPr>
+          <p:cNvSpPr txBox="1"/>
+          <p:nvPr/>
+        </p:nvSpPr>
+        <p:spPr>
+          <a:xfrm>
+            <a:off x="6305366" y="1957187"/>
+            <a:ext cx="1954306" cy="369332"/>
+          </a:xfrm>
+          <a:prstGeom prst="rect">
+            <a:avLst/>
+          </a:prstGeom>
+          <a:noFill/>
+        </p:spPr>
+        <p:txBody>
+          <a:bodyPr wrap="square" rtlCol="0">
+            <a:spAutoFit/>
+          </a:bodyPr>
+          <a:lstStyle/>
+          <a:p>
+            <a:r>
+              <a:rPr lang="en-US" dirty="0">
+                <a:solidFill>
+                  <a:srgbClr val="FF0000"/>
+                </a:solidFill>
+              </a:rPr>
+              <a:t>B</a:t>
+            </a:r>
+            <a:r>
+              <a:rPr lang="en-US" dirty="0"/>
+              <a:t>: Color Sensor</a:t>
+            </a:r>
+          </a:p>
+        </p:txBody>
+      </p:sp>
+      <p:sp>
+        <p:nvSpPr>
+          <p:cNvPr id="11" name="TextBox 10">
+            <a:extLst>
+              <a:ext uri="{FF2B5EF4-FFF2-40B4-BE49-F238E27FC236}">
+                <a16:creationId xmlns:a16="http://schemas.microsoft.com/office/drawing/2014/main" id="{A63C0DF0-FBDD-4472-9B70-FBAF515892D9}"/>
+              </a:ext>
+            </a:extLst>
+          </p:cNvPr>
+          <p:cNvSpPr txBox="1"/>
+          <p:nvPr/>
+        </p:nvSpPr>
+        <p:spPr>
+          <a:xfrm>
+            <a:off x="6305366" y="3514449"/>
+            <a:ext cx="1954306" cy="369332"/>
+          </a:xfrm>
+          <a:prstGeom prst="rect">
+            <a:avLst/>
+          </a:prstGeom>
+          <a:noFill/>
+        </p:spPr>
+        <p:txBody>
+          <a:bodyPr wrap="square" rtlCol="0">
+            <a:spAutoFit/>
+          </a:bodyPr>
+          <a:lstStyle/>
+          <a:p>
+            <a:r>
+              <a:rPr lang="en-US" dirty="0">
+                <a:solidFill>
+                  <a:srgbClr val="FF0000"/>
+                </a:solidFill>
+              </a:rPr>
+              <a:t>D</a:t>
+            </a:r>
+            <a:r>
+              <a:rPr lang="en-US" dirty="0"/>
+              <a:t>: Large Motor</a:t>
+            </a:r>
+          </a:p>
+        </p:txBody>
+      </p:sp>
+      <p:sp>
+        <p:nvSpPr>
+          <p:cNvPr id="12" name="TextBox 11">
+            <a:extLst>
+              <a:ext uri="{FF2B5EF4-FFF2-40B4-BE49-F238E27FC236}">
+                <a16:creationId xmlns:a16="http://schemas.microsoft.com/office/drawing/2014/main" id="{B6DAE424-55C6-4C23-A66B-F19BA3402B7D}"/>
+              </a:ext>
+            </a:extLst>
+          </p:cNvPr>
+          <p:cNvSpPr txBox="1"/>
+          <p:nvPr/>
+        </p:nvSpPr>
+        <p:spPr>
+          <a:xfrm>
+            <a:off x="4428146" y="1278021"/>
+            <a:ext cx="1954306" cy="369332"/>
+          </a:xfrm>
+          <a:prstGeom prst="rect">
+            <a:avLst/>
+          </a:prstGeom>
+          <a:noFill/>
+        </p:spPr>
+        <p:txBody>
+          <a:bodyPr wrap="square" rtlCol="0">
+            <a:spAutoFit/>
+          </a:bodyPr>
+          <a:lstStyle/>
+          <a:p>
+            <a:r>
+              <a:rPr lang="en-US" dirty="0">
+                <a:solidFill>
+                  <a:srgbClr val="FF0000"/>
+                </a:solidFill>
+              </a:rPr>
+              <a:t>F</a:t>
+            </a:r>
+            <a:r>
+              <a:rPr lang="en-US" dirty="0"/>
+              <a:t>: Force Sensor</a:t>
+            </a:r>
+          </a:p>
+        </p:txBody>
+      </p:sp>
+      <p:sp>
+        <p:nvSpPr>
+          <p:cNvPr id="13" name="TextBox 12">
+            <a:extLst>
+              <a:ext uri="{FF2B5EF4-FFF2-40B4-BE49-F238E27FC236}">
+                <a16:creationId xmlns:a16="http://schemas.microsoft.com/office/drawing/2014/main" id="{D8D5A74B-B81F-47BF-AED4-6DA52DA7D7A1}"/>
+              </a:ext>
+            </a:extLst>
+          </p:cNvPr>
+          <p:cNvSpPr txBox="1"/>
+          <p:nvPr/>
+        </p:nvSpPr>
+        <p:spPr>
+          <a:xfrm>
+            <a:off x="4422776" y="5716610"/>
+            <a:ext cx="1954306" cy="369332"/>
+          </a:xfrm>
+          <a:prstGeom prst="rect">
+            <a:avLst/>
+          </a:prstGeom>
+          <a:noFill/>
+        </p:spPr>
+        <p:txBody>
+          <a:bodyPr wrap="square" rtlCol="0">
+            <a:spAutoFit/>
+          </a:bodyPr>
+          <a:lstStyle/>
+          <a:p>
+            <a:r>
+              <a:rPr lang="en-US" dirty="0">
+                <a:solidFill>
+                  <a:srgbClr val="FF0000"/>
+                </a:solidFill>
+              </a:rPr>
+              <a:t>C</a:t>
+            </a:r>
+            <a:r>
+              <a:rPr lang="en-US" dirty="0"/>
+              <a:t>: Distance Sensor</a:t>
             </a:r>
           </a:p>
         </p:txBody>
@@ -6461,7 +6593,7 @@
     </p:spTree>
     <p:extLst>
       <p:ext uri="{BB962C8B-B14F-4D97-AF65-F5344CB8AC3E}">
-        <p14:creationId xmlns:p14="http://schemas.microsoft.com/office/powerpoint/2010/main" val="281474785"/>
+        <p14:creationId xmlns:p14="http://schemas.microsoft.com/office/powerpoint/2010/main" val="1092211109"/>
       </p:ext>
     </p:extLst>
   </p:cSld>
@@ -6493,6 +6625,287 @@
           <p:cNvPr id="2" name="Title 1">
             <a:extLst>
               <a:ext uri="{FF2B5EF4-FFF2-40B4-BE49-F238E27FC236}">
+                <a16:creationId xmlns:a16="http://schemas.microsoft.com/office/drawing/2014/main" id="{81821B85-316D-40F8-B2FD-C66EF2A7EFF7}"/>
+              </a:ext>
+            </a:extLst>
+          </p:cNvPr>
+          <p:cNvSpPr>
+            <a:spLocks noGrp="1"/>
+          </p:cNvSpPr>
+          <p:nvPr>
+            <p:ph type="title"/>
+          </p:nvPr>
+        </p:nvSpPr>
+        <p:spPr/>
+        <p:txBody>
+          <a:bodyPr/>
+          <a:lstStyle/>
+          <a:p>
+            <a:r>
+              <a:rPr lang="en-US" dirty="0"/>
+              <a:t>Advanced Driving base (ADB)</a:t>
+            </a:r>
+          </a:p>
+        </p:txBody>
+      </p:sp>
+      <p:sp>
+        <p:nvSpPr>
+          <p:cNvPr id="3" name="Content Placeholder 2">
+            <a:extLst>
+              <a:ext uri="{FF2B5EF4-FFF2-40B4-BE49-F238E27FC236}">
+                <a16:creationId xmlns:a16="http://schemas.microsoft.com/office/drawing/2014/main" id="{22959C28-BE65-45C2-B4B0-BC26D4D18976}"/>
+              </a:ext>
+            </a:extLst>
+          </p:cNvPr>
+          <p:cNvSpPr>
+            <a:spLocks noGrp="1"/>
+          </p:cNvSpPr>
+          <p:nvPr>
+            <p:ph idx="1"/>
+          </p:nvPr>
+        </p:nvSpPr>
+        <p:spPr>
+          <a:xfrm>
+            <a:off x="155088" y="1140006"/>
+            <a:ext cx="5068834" cy="5082601"/>
+          </a:xfrm>
+        </p:spPr>
+        <p:txBody>
+          <a:bodyPr>
+            <a:normAutofit/>
+          </a:bodyPr>
+          <a:lstStyle/>
+          <a:p>
+            <a:r>
+              <a:rPr lang="en-US" dirty="0"/>
+              <a:t>You can also use the Advanced Driving Base (ADB). </a:t>
+            </a:r>
+          </a:p>
+          <a:p>
+            <a:r>
+              <a:rPr lang="en-US" dirty="0"/>
+              <a:t>It will require the SPIKE Prime Set (45678) as well as the SPIKE Prime Expansion Set (45680).</a:t>
+            </a:r>
+          </a:p>
+          <a:p>
+            <a:r>
+              <a:rPr lang="en-US" dirty="0"/>
+              <a:t>Instructions to build this model are available inside the SPIKE Prime and software online: </a:t>
+            </a:r>
+            <a:r>
+              <a:rPr lang="en-US" sz="1200" dirty="0">
+                <a:hlinkClick r:id="rId2"/>
+              </a:rPr>
+              <a:t>https://education.lego.com/en-us/lessons/prime-competition-ready/assembling-an-advanced-driving-base</a:t>
+            </a:r>
+            <a:endParaRPr lang="en-US" sz="1200" dirty="0"/>
+          </a:p>
+          <a:p>
+            <a:r>
+              <a:rPr lang="en-US" dirty="0"/>
+              <a:t>Please note how the basic ports are configured on the diagram on the right. Since all the sensors cannot start off connected to the Hub, you will have to disconnect ports so you can add the Distance and Force Sensors used in our lessons</a:t>
+            </a:r>
+          </a:p>
+          <a:p>
+            <a:r>
+              <a:rPr lang="en-US" dirty="0"/>
+              <a:t>The color sensors on ADB are also not optimally positioned for using in Color Mode. (see next slide)</a:t>
+            </a:r>
+          </a:p>
+          <a:p>
+            <a:endParaRPr lang="en-US" dirty="0"/>
+          </a:p>
+        </p:txBody>
+      </p:sp>
+      <p:sp>
+        <p:nvSpPr>
+          <p:cNvPr id="4" name="Footer Placeholder 3">
+            <a:extLst>
+              <a:ext uri="{FF2B5EF4-FFF2-40B4-BE49-F238E27FC236}">
+                <a16:creationId xmlns:a16="http://schemas.microsoft.com/office/drawing/2014/main" id="{73372063-2ECC-40B7-BDDE-09490688390C}"/>
+              </a:ext>
+            </a:extLst>
+          </p:cNvPr>
+          <p:cNvSpPr>
+            <a:spLocks noGrp="1"/>
+          </p:cNvSpPr>
+          <p:nvPr>
+            <p:ph type="ftr" sz="quarter" idx="11"/>
+          </p:nvPr>
+        </p:nvSpPr>
+        <p:spPr/>
+        <p:txBody>
+          <a:bodyPr/>
+          <a:lstStyle/>
+          <a:p>
+            <a:r>
+              <a:rPr lang="en-US"/>
+              <a:t>Copyright © 2020 SPIKE Prime Lessons (primelessons.org) CC-BY-NC-SA.  (Last edit: 1/16/2020)</a:t>
+            </a:r>
+            <a:endParaRPr lang="en-US" dirty="0"/>
+          </a:p>
+        </p:txBody>
+      </p:sp>
+      <p:sp>
+        <p:nvSpPr>
+          <p:cNvPr id="5" name="Slide Number Placeholder 4">
+            <a:extLst>
+              <a:ext uri="{FF2B5EF4-FFF2-40B4-BE49-F238E27FC236}">
+                <a16:creationId xmlns:a16="http://schemas.microsoft.com/office/drawing/2014/main" id="{57485AB1-BBA9-4704-B979-EA1B7589CB57}"/>
+              </a:ext>
+            </a:extLst>
+          </p:cNvPr>
+          <p:cNvSpPr>
+            <a:spLocks noGrp="1"/>
+          </p:cNvSpPr>
+          <p:nvPr>
+            <p:ph type="sldNum" sz="quarter" idx="12"/>
+          </p:nvPr>
+        </p:nvSpPr>
+        <p:spPr/>
+        <p:txBody>
+          <a:bodyPr/>
+          <a:lstStyle/>
+          <a:p>
+            <a:fld id="{BBD74847-7BE4-4E4D-8159-51DF7B93C616}" type="slidenum">
+              <a:rPr lang="en-US" smtClean="0"/>
+              <a:t>5</a:t>
+            </a:fld>
+            <a:endParaRPr lang="en-US"/>
+          </a:p>
+        </p:txBody>
+      </p:sp>
+      <p:pic>
+        <p:nvPicPr>
+          <p:cNvPr id="6" name="Picture 5">
+            <a:extLst>
+              <a:ext uri="{FF2B5EF4-FFF2-40B4-BE49-F238E27FC236}">
+                <a16:creationId xmlns:a16="http://schemas.microsoft.com/office/drawing/2014/main" id="{7EF7D49A-3B76-4F9B-8793-399AD696AC05}"/>
+              </a:ext>
+            </a:extLst>
+          </p:cNvPr>
+          <p:cNvPicPr>
+            <a:picLocks noChangeAspect="1"/>
+          </p:cNvPicPr>
+          <p:nvPr/>
+        </p:nvPicPr>
+        <p:blipFill>
+          <a:blip r:embed="rId3"/>
+          <a:stretch>
+            <a:fillRect/>
+          </a:stretch>
+        </p:blipFill>
+        <p:spPr>
+          <a:xfrm>
+            <a:off x="5309647" y="1254796"/>
+            <a:ext cx="3397684" cy="2566988"/>
+          </a:xfrm>
+          <a:prstGeom prst="rect">
+            <a:avLst/>
+          </a:prstGeom>
+        </p:spPr>
+      </p:pic>
+      <p:pic>
+        <p:nvPicPr>
+          <p:cNvPr id="7" name="Picture 6">
+            <a:extLst>
+              <a:ext uri="{FF2B5EF4-FFF2-40B4-BE49-F238E27FC236}">
+                <a16:creationId xmlns:a16="http://schemas.microsoft.com/office/drawing/2014/main" id="{8F87B2F9-269D-4196-8BAD-2FF164425F37}"/>
+              </a:ext>
+            </a:extLst>
+          </p:cNvPr>
+          <p:cNvPicPr>
+            <a:picLocks noChangeAspect="1"/>
+          </p:cNvPicPr>
+          <p:nvPr/>
+        </p:nvPicPr>
+        <p:blipFill>
+          <a:blip r:embed="rId4"/>
+          <a:stretch>
+            <a:fillRect/>
+          </a:stretch>
+        </p:blipFill>
+        <p:spPr>
+          <a:xfrm>
+            <a:off x="5379319" y="3781302"/>
+            <a:ext cx="3427528" cy="2441305"/>
+          </a:xfrm>
+          <a:prstGeom prst="rect">
+            <a:avLst/>
+          </a:prstGeom>
+        </p:spPr>
+      </p:pic>
+      <p:sp>
+        <p:nvSpPr>
+          <p:cNvPr id="8" name="TextBox 7">
+            <a:extLst>
+              <a:ext uri="{FF2B5EF4-FFF2-40B4-BE49-F238E27FC236}">
+                <a16:creationId xmlns:a16="http://schemas.microsoft.com/office/drawing/2014/main" id="{B7EB62A3-019A-4B98-85FF-B541D215CE17}"/>
+              </a:ext>
+            </a:extLst>
+          </p:cNvPr>
+          <p:cNvSpPr txBox="1"/>
+          <p:nvPr/>
+        </p:nvSpPr>
+        <p:spPr>
+          <a:xfrm>
+            <a:off x="6386152" y="3769289"/>
+            <a:ext cx="1413862" cy="261610"/>
+          </a:xfrm>
+          <a:prstGeom prst="rect">
+            <a:avLst/>
+          </a:prstGeom>
+          <a:noFill/>
+        </p:spPr>
+        <p:txBody>
+          <a:bodyPr wrap="square" rtlCol="0">
+            <a:spAutoFit/>
+          </a:bodyPr>
+          <a:lstStyle/>
+          <a:p>
+            <a:pPr algn="ctr"/>
+            <a:r>
+              <a:rPr lang="en-US" sz="1100" dirty="0"/>
+              <a:t>ADB Default settings</a:t>
+            </a:r>
+          </a:p>
+        </p:txBody>
+      </p:sp>
+    </p:spTree>
+    <p:extLst>
+      <p:ext uri="{BB962C8B-B14F-4D97-AF65-F5344CB8AC3E}">
+        <p14:creationId xmlns:p14="http://schemas.microsoft.com/office/powerpoint/2010/main" val="281474785"/>
+      </p:ext>
+    </p:extLst>
+  </p:cSld>
+  <p:clrMapOvr>
+    <a:masterClrMapping/>
+  </p:clrMapOvr>
+</p:sld>
+</file>
+
+<file path=ppt/slides/slide6.xml><?xml version="1.0" encoding="utf-8"?>
+<p:sld xmlns:a="http://schemas.openxmlformats.org/drawingml/2006/main" xmlns:r="http://schemas.openxmlformats.org/officeDocument/2006/relationships" xmlns:p="http://schemas.openxmlformats.org/presentationml/2006/main">
+  <p:cSld>
+    <p:spTree>
+      <p:nvGrpSpPr>
+        <p:cNvPr id="1" name=""/>
+        <p:cNvGrpSpPr/>
+        <p:nvPr/>
+      </p:nvGrpSpPr>
+      <p:grpSpPr>
+        <a:xfrm>
+          <a:off x="0" y="0"/>
+          <a:ext cx="0" cy="0"/>
+          <a:chOff x="0" y="0"/>
+          <a:chExt cx="0" cy="0"/>
+        </a:xfrm>
+      </p:grpSpPr>
+      <p:sp>
+        <p:nvSpPr>
+          <p:cNvPr id="2" name="Title 1">
+            <a:extLst>
+              <a:ext uri="{FF2B5EF4-FFF2-40B4-BE49-F238E27FC236}">
                 <a16:creationId xmlns:a16="http://schemas.microsoft.com/office/drawing/2014/main" id="{E9FB8EB0-F9C5-AB4F-9AD6-099961494B18}"/>
               </a:ext>
             </a:extLst>
@@ -6539,7 +6952,7 @@
           <a:p>
             <a:r>
               <a:rPr lang="en-US"/>
-              <a:t>Copyright © 2020 SPIKE Prime Lessons (primelessons.org) CC-BY-NC-SA.  (Last edit: 1/9/2020)</a:t>
+              <a:t>Copyright © 2020 SPIKE Prime Lessons (primelessons.org) CC-BY-NC-SA.  (Last edit: 1/16/2020)</a:t>
             </a:r>
             <a:endParaRPr lang="en-US" dirty="0"/>
           </a:p>
@@ -6568,7 +6981,7 @@
           <a:p>
             <a:fld id="{BBD74847-7BE4-4E4D-8159-51DF7B93C616}" type="slidenum">
               <a:rPr lang="en-US" smtClean="0"/>
-              <a:t>5</a:t>
+              <a:t>6</a:t>
             </a:fld>
             <a:endParaRPr lang="en-US"/>
           </a:p>
@@ -6825,7 +7238,7 @@
 </p:sld>
 </file>
 
-<file path=ppt/slides/slide6.xml><?xml version="1.0" encoding="utf-8"?>
+<file path=ppt/slides/slide7.xml><?xml version="1.0" encoding="utf-8"?>
 <p:sld xmlns:a="http://schemas.openxmlformats.org/drawingml/2006/main" xmlns:r="http://schemas.openxmlformats.org/officeDocument/2006/relationships" xmlns:p="http://schemas.openxmlformats.org/presentationml/2006/main">
   <p:cSld>
     <p:spTree>
@@ -6915,9 +7328,10 @@
           <a:lstStyle/>
           <a:p>
             <a:r>
-              <a:rPr lang="en-US" dirty="0"/>
-              <a:t>Copyright © 2020 SPIKE Prime Lessons (primelessons.org) CC-BY-NC-SA.  (Last edit: 1/9/2020)</a:t>
-            </a:r>
+              <a:rPr lang="en-US"/>
+              <a:t>Copyright © 2020 SPIKE Prime Lessons (primelessons.org) CC-BY-NC-SA.  (Last edit: 1/16/2020)</a:t>
+            </a:r>
+            <a:endParaRPr lang="en-US" dirty="0"/>
           </a:p>
         </p:txBody>
       </p:sp>
@@ -6946,7 +7360,7 @@
           <a:effectLst/>
           <a:extLst>
             <a:ext uri="{91240B29-F687-4f45-9708-019B960494DF}">
-              <a14:hiddenLine xmlns="" xmlns:a14="http://schemas.microsoft.com/office/drawing/2010/main" w="9525">
+              <a14:hiddenLine xmlns:a14="http://schemas.microsoft.com/office/drawing/2010/main" xmlns="" w="9525">
                 <a:solidFill>
                   <a:schemeClr val="tx1"/>
                 </a:solidFill>
@@ -6956,7 +7370,7 @@
               </a14:hiddenLine>
             </a:ext>
             <a:ext uri="{AF507438-7753-43e0-B8FC-AC1667EBCBE1}">
-              <a14:hiddenEffects xmlns="" xmlns:a14="http://schemas.microsoft.com/office/drawing/2010/main">
+              <a14:hiddenEffects xmlns:a14="http://schemas.microsoft.com/office/drawing/2010/main" xmlns="">
                 <a:effectLst>
                   <a:outerShdw dist="35921" dir="2700000" algn="ctr" rotWithShape="0">
                     <a:schemeClr val="bg2"/>
@@ -7297,7 +7711,7 @@
           <a:noFill/>
           <a:extLst>
             <a:ext uri="{909E8E84-426E-40dd-AFC4-6F175D3DCCD1}">
-              <a14:hiddenFill xmlns="" xmlns:a14="http://schemas.microsoft.com/office/drawing/2010/main">
+              <a14:hiddenFill xmlns:a14="http://schemas.microsoft.com/office/drawing/2010/main" xmlns="">
                 <a:solidFill>
                   <a:srgbClr val="FFFFFF"/>
                 </a:solidFill>
@@ -7329,7 +7743,7 @@
           <a:p>
             <a:fld id="{BBD74847-7BE4-4E4D-8159-51DF7B93C616}" type="slidenum">
               <a:rPr lang="en-US" smtClean="0"/>
-              <a:t>6</a:t>
+              <a:t>7</a:t>
             </a:fld>
             <a:endParaRPr lang="en-US"/>
           </a:p>
